--- a/public/user/output/U201812791-刘棫欣-1.《喜马拉雅FM免费增值策略对用户留存的影响的实证研究》/output_3_1.pptx
+++ b/public/user/output/U201812791-刘棫欣-1.《喜马拉雅FM免费增值策略对用户留存的影响的实证研究》/output_3_1.pptx
@@ -3655,7 +3655,7 @@
               </a:defRPr>
             </a:pPr>
             <a:r>
-              <a:t>- 国内外主要关注用户满意度影响因素，宗利永、夏子惠以知乎 live 为对象研究订阅式平台用户评论。</a:t>
+              <a:t>- 国内外多关注用户满意度影响因素，如宗利永、夏子惠以知乎 live 为对象研究订阅式平台用户评论。</a:t>
             </a:r>
           </a:p>
         </p:txBody>
@@ -3691,7 +3691,7 @@
               </a:defRPr>
             </a:pPr>
             <a:r>
-              <a:t>- 对移动音频创作平台如喜马拉雅等研究少，已有研究针对在线音频平台营销策略等案例讨论。</a:t>
+              <a:t>- 对移动音频创作平台如喜马拉雅等研究少，已有研究多涉在线音频平台营销策略等案例讨论。</a:t>
             </a:r>
           </a:p>
         </p:txBody>
@@ -3763,7 +3763,7 @@
               </a:defRPr>
             </a:pPr>
             <a:r>
-              <a:t>- 通过构建模型、分析流程和内容分析，研究知识付费产品价值形成机制。</a:t>
+              <a:t>- 构建评估模型并分析形成流程，对得到平台进行内容分析，研究价值形成机制。</a:t>
             </a:r>
           </a:p>
         </p:txBody>
